--- a/Presentation.pptx
+++ b/Presentation.pptx
@@ -228,7 +228,7 @@
           <a:p>
             <a:fld id="{3E35D1AD-E24C-4E82-BC85-28527A42DCE7}" type="datetimeFigureOut">
               <a:rPr lang="en-US" smtClean="0"/>
-              <a:t>6/29/2019</a:t>
+              <a:t>6/30/2019</a:t>
             </a:fld>
             <a:endParaRPr lang="en-US" dirty="0"/>
           </a:p>
@@ -405,7 +405,7 @@
           <a:p>
             <a:fld id="{7255EA34-3951-4B6D-8DDD-B157CE00471C}" type="datetimeFigureOut">
               <a:rPr lang="en-US" smtClean="0"/>
-              <a:t>6/29/2019</a:t>
+              <a:t>6/30/2019</a:t>
             </a:fld>
             <a:endParaRPr lang="en-US" dirty="0"/>
           </a:p>
@@ -979,7 +979,7 @@
           <a:p>
             <a:fld id="{D857E33E-8B18-4087-B112-809917729534}" type="datetimeFigureOut">
               <a:rPr lang="en-US" smtClean="0"/>
-              <a:t>6/29/2019</a:t>
+              <a:t>6/30/2019</a:t>
             </a:fld>
             <a:endParaRPr lang="en-US" dirty="0"/>
           </a:p>
@@ -1163,7 +1163,7 @@
           <a:p>
             <a:fld id="{D3FFE419-2371-464F-8239-3959401C3561}" type="datetimeFigureOut">
               <a:rPr lang="en-US" smtClean="0"/>
-              <a:t>6/29/2019</a:t>
+              <a:t>6/30/2019</a:t>
             </a:fld>
             <a:endParaRPr lang="en-US" dirty="0"/>
           </a:p>
@@ -1489,7 +1489,7 @@
           <a:p>
             <a:fld id="{3E5059C3-6A89-4494-99FF-5A4D6FFD50EB}" type="datetimeFigureOut">
               <a:rPr lang="en-US" noProof="0" smtClean="0"/>
-              <a:t>6/29/2019</a:t>
+              <a:t>6/30/2019</a:t>
             </a:fld>
             <a:endParaRPr lang="en-US" noProof="0" dirty="0"/>
           </a:p>
@@ -1788,7 +1788,7 @@
           <a:p>
             <a:fld id="{921D9284-D300-4297-87F7-E791DCC15DB1}" type="datetimeFigureOut">
               <a:rPr lang="en-US" smtClean="0"/>
-              <a:t>6/29/2019</a:t>
+              <a:t>6/30/2019</a:t>
             </a:fld>
             <a:endParaRPr lang="en-US" dirty="0"/>
           </a:p>
@@ -2082,7 +2082,7 @@
           <a:p>
             <a:fld id="{37D525BB-DA17-4BA0-B3C8-3AC3ABC827E6}" type="datetimeFigureOut">
               <a:rPr lang="en-US" smtClean="0"/>
-              <a:t>6/29/2019</a:t>
+              <a:t>6/30/2019</a:t>
             </a:fld>
             <a:endParaRPr lang="en-US" dirty="0"/>
           </a:p>
@@ -2366,7 +2366,7 @@
           <a:p>
             <a:fld id="{B16C4C9A-3960-41CF-A4E9-2A8FB932454B}" type="datetimeFigureOut">
               <a:rPr lang="en-US" smtClean="0"/>
-              <a:t>6/29/2019</a:t>
+              <a:t>6/30/2019</a:t>
             </a:fld>
             <a:endParaRPr lang="en-US" dirty="0"/>
           </a:p>
@@ -2620,7 +2620,7 @@
           <a:p>
             <a:fld id="{3CBC1C18-307B-4F68-A007-B5B542270E8D}" type="datetimeFigureOut">
               <a:rPr lang="en-US" noProof="0" smtClean="0"/>
-              <a:t>6/29/2019</a:t>
+              <a:t>6/30/2019</a:t>
             </a:fld>
             <a:endParaRPr lang="en-US" noProof="0" dirty="0"/>
           </a:p>
@@ -3144,7 +3144,7 @@
                 <a16:creationId xmlns:a16="http://schemas.microsoft.com/office/drawing/2014/main" id="{B8D726A5-7900-41B4-8D49-49B4A2010E7C}"/>
               </a:ext>
               <a:ext uri="{C183D7F6-B498-43B3-948B-1728B52AA6E4}">
-                <adec:decorative xmlns="" xmlns:adec="http://schemas.microsoft.com/office/drawing/2017/decorative" val="1"/>
+                <adec:decorative xmlns:adec="http://schemas.microsoft.com/office/drawing/2017/decorative" xmlns="" val="1"/>
               </a:ext>
             </a:extLst>
           </p:cNvPr>
@@ -3352,7 +3352,7 @@
                 <a16:creationId xmlns:a16="http://schemas.microsoft.com/office/drawing/2014/main" id="{46E49661-E258-450C-8150-A91A6B30D1CD}"/>
               </a:ext>
               <a:ext uri="{C183D7F6-B498-43B3-948B-1728B52AA6E4}">
-                <adec:decorative xmlns="" xmlns:adec="http://schemas.microsoft.com/office/drawing/2017/decorative" val="1"/>
+                <adec:decorative xmlns:adec="http://schemas.microsoft.com/office/drawing/2017/decorative" xmlns="" val="1"/>
               </a:ext>
             </a:extLst>
           </p:cNvPr>
@@ -3406,13 +3406,13 @@
   <p:clrMapOvr>
     <a:masterClrMapping/>
   </p:clrMapOvr>
-  <mc:AlternateContent xmlns:mc="http://schemas.openxmlformats.org/markup-compatibility/2006">
-    <mc:Choice xmlns:p14="http://schemas.microsoft.com/office/powerpoint/2010/main" Requires="p14">
+  <mc:AlternateContent xmlns:mc="http://schemas.openxmlformats.org/markup-compatibility/2006" xmlns:p14="http://schemas.microsoft.com/office/powerpoint/2010/main">
+    <mc:Choice Requires="p14">
       <p:transition spd="med" p14:dur="700">
         <p:fade/>
       </p:transition>
     </mc:Choice>
-    <mc:Fallback>
+    <mc:Fallback xmlns="">
       <p:transition spd="med">
         <p:fade/>
       </p:transition>
@@ -3830,13 +3830,13 @@
   <p:clrMapOvr>
     <a:masterClrMapping/>
   </p:clrMapOvr>
-  <mc:AlternateContent xmlns:mc="http://schemas.openxmlformats.org/markup-compatibility/2006">
-    <mc:Choice xmlns:p14="http://schemas.microsoft.com/office/powerpoint/2010/main" Requires="p14">
+  <mc:AlternateContent xmlns:mc="http://schemas.openxmlformats.org/markup-compatibility/2006" xmlns:p14="http://schemas.microsoft.com/office/powerpoint/2010/main">
+    <mc:Choice Requires="p14">
       <p:transition spd="med" p14:dur="700">
         <p:fade/>
       </p:transition>
     </mc:Choice>
-    <mc:Fallback>
+    <mc:Fallback xmlns="">
       <p:transition spd="med">
         <p:fade/>
       </p:transition>
@@ -4488,13 +4488,13 @@
   <p:clrMapOvr>
     <a:masterClrMapping/>
   </p:clrMapOvr>
-  <mc:AlternateContent xmlns:mc="http://schemas.openxmlformats.org/markup-compatibility/2006">
-    <mc:Choice xmlns:p14="http://schemas.microsoft.com/office/powerpoint/2010/main" Requires="p14">
+  <mc:AlternateContent xmlns:mc="http://schemas.openxmlformats.org/markup-compatibility/2006" xmlns:p14="http://schemas.microsoft.com/office/powerpoint/2010/main">
+    <mc:Choice Requires="p14">
       <p:transition spd="med" p14:dur="700">
         <p:fade/>
       </p:transition>
     </mc:Choice>
-    <mc:Fallback>
+    <mc:Fallback xmlns="">
       <p:transition spd="med">
         <p:fade/>
       </p:transition>
@@ -5053,7 +5053,7 @@
             <a:pPr algn="ctr"/>
             <a:r>
               <a:rPr lang="en-US" b="1" dirty="0" smtClean="0"/>
-              <a:t>AM2302</a:t>
+              <a:t>DHT22</a:t>
             </a:r>
             <a:endParaRPr lang="en-US" b="1" dirty="0"/>
           </a:p>
@@ -5146,7 +5146,11 @@
             <a:pPr algn="ctr"/>
             <a:r>
               <a:rPr lang="en-US" b="1" dirty="0" smtClean="0"/>
-              <a:t>12x2 LCD</a:t>
+              <a:t>16x2 </a:t>
+            </a:r>
+            <a:r>
+              <a:rPr lang="en-US" b="1" dirty="0" smtClean="0"/>
+              <a:t>LCD</a:t>
             </a:r>
             <a:endParaRPr lang="en-US" b="1" dirty="0"/>
           </a:p>
@@ -5193,13 +5197,13 @@
   <p:clrMapOvr>
     <a:masterClrMapping/>
   </p:clrMapOvr>
-  <mc:AlternateContent xmlns:mc="http://schemas.openxmlformats.org/markup-compatibility/2006">
-    <mc:Choice xmlns:p14="http://schemas.microsoft.com/office/powerpoint/2010/main" Requires="p14">
+  <mc:AlternateContent xmlns:mc="http://schemas.openxmlformats.org/markup-compatibility/2006" xmlns:p14="http://schemas.microsoft.com/office/powerpoint/2010/main">
+    <mc:Choice Requires="p14">
       <p:transition spd="med" p14:dur="700">
         <p:fade/>
       </p:transition>
     </mc:Choice>
-    <mc:Fallback>
+    <mc:Fallback xmlns="">
       <p:transition spd="med">
         <p:fade/>
       </p:transition>
@@ -5356,13 +5360,13 @@
   <p:clrMapOvr>
     <a:masterClrMapping/>
   </p:clrMapOvr>
-  <mc:AlternateContent xmlns:mc="http://schemas.openxmlformats.org/markup-compatibility/2006">
-    <mc:Choice xmlns:p14="http://schemas.microsoft.com/office/powerpoint/2010/main" Requires="p14">
+  <mc:AlternateContent xmlns:mc="http://schemas.openxmlformats.org/markup-compatibility/2006" xmlns:p14="http://schemas.microsoft.com/office/powerpoint/2010/main">
+    <mc:Choice Requires="p14">
       <p:transition spd="med" p14:dur="700">
         <p:fade/>
       </p:transition>
     </mc:Choice>
-    <mc:Fallback>
+    <mc:Fallback xmlns="">
       <p:transition spd="med">
         <p:fade/>
       </p:transition>
@@ -5766,8 +5770,13 @@
                   <a:srgbClr val="FFFFFF"/>
                 </a:solidFill>
               </a:rPr>
-              <a:t>AM2302</a:t>
-            </a:r>
+              <a:t>AM2302 (WIRED DHT22)</a:t>
+            </a:r>
+            <a:endParaRPr lang="en-US" b="1" dirty="0" smtClean="0">
+              <a:solidFill>
+                <a:srgbClr val="FFFFFF"/>
+              </a:solidFill>
+            </a:endParaRPr>
           </a:p>
           <a:p>
             <a:pPr marL="0" indent="0">
@@ -5808,15 +5817,7 @@
                   <a:srgbClr val="FFFFFF"/>
                 </a:solidFill>
               </a:rPr>
-              <a:t>16X2 </a:t>
-            </a:r>
-            <a:r>
-              <a:rPr lang="en-US" b="1" dirty="0" smtClean="0">
-                <a:solidFill>
-                  <a:srgbClr val="FFFFFF"/>
-                </a:solidFill>
-              </a:rPr>
-              <a:t>LCD</a:t>
+              <a:t>16X2 LCD</a:t>
             </a:r>
             <a:endParaRPr lang="en-US" b="1" dirty="0">
               <a:solidFill>
@@ -5871,13 +5872,13 @@
   <p:clrMapOvr>
     <a:masterClrMapping/>
   </p:clrMapOvr>
-  <mc:AlternateContent xmlns:mc="http://schemas.openxmlformats.org/markup-compatibility/2006">
-    <mc:Choice xmlns:p14="http://schemas.microsoft.com/office/powerpoint/2010/main" Requires="p14">
+  <mc:AlternateContent xmlns:mc="http://schemas.openxmlformats.org/markup-compatibility/2006" xmlns:p14="http://schemas.microsoft.com/office/powerpoint/2010/main">
+    <mc:Choice Requires="p14">
       <p:transition spd="med" p14:dur="700">
         <p:fade/>
       </p:transition>
     </mc:Choice>
-    <mc:Fallback>
+    <mc:Fallback xmlns="">
       <p:transition spd="med">
         <p:fade/>
       </p:transition>
@@ -6292,13 +6293,13 @@
   <p:clrMapOvr>
     <a:masterClrMapping/>
   </p:clrMapOvr>
-  <mc:AlternateContent xmlns:mc="http://schemas.openxmlformats.org/markup-compatibility/2006">
-    <mc:Choice xmlns:p14="http://schemas.microsoft.com/office/powerpoint/2010/main" Requires="p14">
+  <mc:AlternateContent xmlns:mc="http://schemas.openxmlformats.org/markup-compatibility/2006" xmlns:p14="http://schemas.microsoft.com/office/powerpoint/2010/main">
+    <mc:Choice Requires="p14">
       <p:transition spd="med" p14:dur="700">
         <p:fade/>
       </p:transition>
     </mc:Choice>
-    <mc:Fallback>
+    <mc:Fallback xmlns="">
       <p:transition spd="med">
         <p:fade/>
       </p:transition>
@@ -6447,13 +6448,13 @@
   <p:clrMapOvr>
     <a:masterClrMapping/>
   </p:clrMapOvr>
-  <mc:AlternateContent xmlns:mc="http://schemas.openxmlformats.org/markup-compatibility/2006">
-    <mc:Choice xmlns:p14="http://schemas.microsoft.com/office/powerpoint/2010/main" Requires="p14">
+  <mc:AlternateContent xmlns:mc="http://schemas.openxmlformats.org/markup-compatibility/2006" xmlns:p14="http://schemas.microsoft.com/office/powerpoint/2010/main">
+    <mc:Choice Requires="p14">
       <p:transition spd="med" p14:dur="700">
         <p:fade/>
       </p:transition>
     </mc:Choice>
-    <mc:Fallback>
+    <mc:Fallback xmlns="">
       <p:transition spd="med">
         <p:fade/>
       </p:transition>
@@ -7539,20 +7540,20 @@
 </file>
 
 <file path=customXml/item2.xml><?xml version="1.0" encoding="utf-8"?>
+<p:properties xmlns:p="http://schemas.microsoft.com/office/2006/metadata/properties" xmlns:xsi="http://www.w3.org/2001/XMLSchema-instance" xmlns:pc="http://schemas.microsoft.com/office/infopath/2007/PartnerControls">
+  <documentManagement>
+    <MediaServiceKeyPoints xmlns="71af3243-3dd4-4a8d-8c0d-dd76da1f02a5" xsi:nil="true"/>
+  </documentManagement>
+</p:properties>
+</file>
+
+<file path=customXml/item3.xml><?xml version="1.0" encoding="utf-8"?>
 <?mso-contentType ?>
 <FormTemplates xmlns="http://schemas.microsoft.com/sharepoint/v3/contenttype/forms">
   <Display>DocumentLibraryForm</Display>
   <Edit>DocumentLibraryForm</Edit>
   <New>DocumentLibraryForm</New>
 </FormTemplates>
-</file>
-
-<file path=customXml/item3.xml><?xml version="1.0" encoding="utf-8"?>
-<p:properties xmlns:p="http://schemas.microsoft.com/office/2006/metadata/properties" xmlns:xsi="http://www.w3.org/2001/XMLSchema-instance" xmlns:pc="http://schemas.microsoft.com/office/infopath/2007/PartnerControls">
-  <documentManagement>
-    <MediaServiceKeyPoints xmlns="71af3243-3dd4-4a8d-8c0d-dd76da1f02a5" xsi:nil="true"/>
-  </documentManagement>
-</p:properties>
 </file>
 
 <file path=customXml/itemProps1.xml><?xml version="1.0" encoding="utf-8"?>
@@ -7575,14 +7576,6 @@
 </file>
 
 <file path=customXml/itemProps2.xml><?xml version="1.0" encoding="utf-8"?>
-<ds:datastoreItem xmlns:ds="http://schemas.openxmlformats.org/officeDocument/2006/customXml" ds:itemID="{CF6B0913-D4BB-427F-9A3C-58E430AB6A53}">
-  <ds:schemaRefs>
-    <ds:schemaRef ds:uri="http://schemas.microsoft.com/sharepoint/v3/contenttype/forms"/>
-  </ds:schemaRefs>
-</ds:datastoreItem>
-</file>
-
-<file path=customXml/itemProps3.xml><?xml version="1.0" encoding="utf-8"?>
 <ds:datastoreItem xmlns:ds="http://schemas.openxmlformats.org/officeDocument/2006/customXml" ds:itemID="{6E0C1243-C9FF-4461-B21D-DC7A9A834A30}">
   <ds:schemaRefs>
     <ds:schemaRef ds:uri="http://schemas.openxmlformats.org/package/2006/metadata/core-properties"/>
@@ -7597,4 +7590,12 @@
     <ds:schemaRef ds:uri="http://purl.org/dc/dcmitype/"/>
   </ds:schemaRefs>
 </ds:datastoreItem>
+</file>
+
+<file path=customXml/itemProps3.xml><?xml version="1.0" encoding="utf-8"?>
+<ds:datastoreItem xmlns:ds="http://schemas.openxmlformats.org/officeDocument/2006/customXml" ds:itemID="{CF6B0913-D4BB-427F-9A3C-58E430AB6A53}">
+  <ds:schemaRefs>
+    <ds:schemaRef ds:uri="http://schemas.microsoft.com/sharepoint/v3/contenttype/forms"/>
+  </ds:schemaRefs>
+</ds:datastoreItem>
 </file>